--- a/Buborékrendezés.pptx
+++ b/Buborékrendezés.pptx
@@ -8,6 +8,8 @@
     <p:sldId id="256" r:id="rId2"/>
     <p:sldId id="257" r:id="rId3"/>
     <p:sldId id="258" r:id="rId4"/>
+    <p:sldId id="260" r:id="rId5"/>
+    <p:sldId id="259" r:id="rId6"/>
   </p:sldIdLst>
   <p:sldSz cx="12192000" cy="6858000"/>
   <p:notesSz cx="6858000" cy="9144000"/>
@@ -106,6 +108,11 @@
       </a:defRPr>
     </a:lvl9pPr>
   </p:defaultTextStyle>
+  <p:extLst>
+    <p:ext uri="{EFAFB233-063F-42B5-8137-9DF3F51BA10A}">
+      <p15:sldGuideLst xmlns:p15="http://schemas.microsoft.com/office/powerpoint/2012/main"/>
+    </p:ext>
+  </p:extLst>
 </p:presentation>
 </file>
 
@@ -301,7 +308,7 @@
             <a:fld id="{B61BEF0D-F0BB-DE4B-95CE-6DB70DBA9567}" type="datetimeFigureOut">
               <a:rPr lang="en-US" dirty="0"/>
               <a:pPr/>
-              <a:t>9/2/2022</a:t>
+              <a:t>9/9/2022</a:t>
             </a:fld>
             <a:endParaRPr lang="en-US" dirty="0"/>
           </a:p>
@@ -734,7 +741,7 @@
             <a:fld id="{B61BEF0D-F0BB-DE4B-95CE-6DB70DBA9567}" type="datetimeFigureOut">
               <a:rPr lang="en-US" dirty="0"/>
               <a:pPr/>
-              <a:t>9/2/2022</a:t>
+              <a:t>9/9/2022</a:t>
             </a:fld>
             <a:endParaRPr lang="en-US" dirty="0"/>
           </a:p>
@@ -981,7 +988,7 @@
             <a:fld id="{B61BEF0D-F0BB-DE4B-95CE-6DB70DBA9567}" type="datetimeFigureOut">
               <a:rPr lang="en-US" dirty="0"/>
               <a:pPr/>
-              <a:t>9/2/2022</a:t>
+              <a:t>9/9/2022</a:t>
             </a:fld>
             <a:endParaRPr lang="en-US" dirty="0"/>
           </a:p>
@@ -1286,7 +1293,7 @@
             <a:fld id="{B61BEF0D-F0BB-DE4B-95CE-6DB70DBA9567}" type="datetimeFigureOut">
               <a:rPr lang="en-US" dirty="0"/>
               <a:pPr/>
-              <a:t>9/2/2022</a:t>
+              <a:t>9/9/2022</a:t>
             </a:fld>
             <a:endParaRPr lang="en-US" dirty="0"/>
           </a:p>
@@ -1601,7 +1608,7 @@
             <a:fld id="{B61BEF0D-F0BB-DE4B-95CE-6DB70DBA9567}" type="datetimeFigureOut">
               <a:rPr lang="en-US" dirty="0"/>
               <a:pPr/>
-              <a:t>9/2/2022</a:t>
+              <a:t>9/9/2022</a:t>
             </a:fld>
             <a:endParaRPr lang="en-US" dirty="0"/>
           </a:p>
@@ -1900,7 +1907,7 @@
             <a:fld id="{B61BEF0D-F0BB-DE4B-95CE-6DB70DBA9567}" type="datetimeFigureOut">
               <a:rPr lang="en-US" dirty="0"/>
               <a:pPr/>
-              <a:t>9/2/2022</a:t>
+              <a:t>9/9/2022</a:t>
             </a:fld>
             <a:endParaRPr lang="en-US" dirty="0"/>
           </a:p>
@@ -2264,7 +2271,7 @@
             <a:fld id="{B61BEF0D-F0BB-DE4B-95CE-6DB70DBA9567}" type="datetimeFigureOut">
               <a:rPr lang="en-US" dirty="0"/>
               <a:pPr/>
-              <a:t>9/2/2022</a:t>
+              <a:t>9/9/2022</a:t>
             </a:fld>
             <a:endParaRPr lang="en-US" dirty="0"/>
           </a:p>
@@ -2435,7 +2442,7 @@
             <a:fld id="{B61BEF0D-F0BB-DE4B-95CE-6DB70DBA9567}" type="datetimeFigureOut">
               <a:rPr lang="en-US" dirty="0"/>
               <a:pPr/>
-              <a:t>9/2/2022</a:t>
+              <a:t>9/9/2022</a:t>
             </a:fld>
             <a:endParaRPr lang="en-US" dirty="0"/>
           </a:p>
@@ -2612,7 +2619,7 @@
             <a:fld id="{B61BEF0D-F0BB-DE4B-95CE-6DB70DBA9567}" type="datetimeFigureOut">
               <a:rPr lang="en-US" dirty="0"/>
               <a:pPr/>
-              <a:t>9/2/2022</a:t>
+              <a:t>9/9/2022</a:t>
             </a:fld>
             <a:endParaRPr lang="en-US" dirty="0"/>
           </a:p>
@@ -2779,7 +2786,7 @@
             <a:fld id="{B61BEF0D-F0BB-DE4B-95CE-6DB70DBA9567}" type="datetimeFigureOut">
               <a:rPr lang="en-US" dirty="0"/>
               <a:pPr/>
-              <a:t>9/2/2022</a:t>
+              <a:t>9/9/2022</a:t>
             </a:fld>
             <a:endParaRPr lang="en-US" dirty="0"/>
           </a:p>
@@ -3026,7 +3033,7 @@
             <a:fld id="{B61BEF0D-F0BB-DE4B-95CE-6DB70DBA9567}" type="datetimeFigureOut">
               <a:rPr lang="en-US" dirty="0"/>
               <a:pPr/>
-              <a:t>9/2/2022</a:t>
+              <a:t>9/9/2022</a:t>
             </a:fld>
             <a:endParaRPr lang="en-US" dirty="0"/>
           </a:p>
@@ -3259,7 +3266,7 @@
             <a:fld id="{B61BEF0D-F0BB-DE4B-95CE-6DB70DBA9567}" type="datetimeFigureOut">
               <a:rPr lang="en-US" dirty="0"/>
               <a:pPr/>
-              <a:t>9/2/2022</a:t>
+              <a:t>9/9/2022</a:t>
             </a:fld>
             <a:endParaRPr lang="en-US" dirty="0"/>
           </a:p>
@@ -3638,7 +3645,7 @@
             <a:fld id="{B61BEF0D-F0BB-DE4B-95CE-6DB70DBA9567}" type="datetimeFigureOut">
               <a:rPr lang="en-US" dirty="0"/>
               <a:pPr/>
-              <a:t>9/2/2022</a:t>
+              <a:t>9/9/2022</a:t>
             </a:fld>
             <a:endParaRPr lang="en-US" dirty="0"/>
           </a:p>
@@ -3753,7 +3760,7 @@
             <a:fld id="{B61BEF0D-F0BB-DE4B-95CE-6DB70DBA9567}" type="datetimeFigureOut">
               <a:rPr lang="en-US" dirty="0"/>
               <a:pPr/>
-              <a:t>9/2/2022</a:t>
+              <a:t>9/9/2022</a:t>
             </a:fld>
             <a:endParaRPr lang="en-US" dirty="0"/>
           </a:p>
@@ -3845,7 +3852,7 @@
             <a:fld id="{B61BEF0D-F0BB-DE4B-95CE-6DB70DBA9567}" type="datetimeFigureOut">
               <a:rPr lang="en-US" dirty="0"/>
               <a:pPr/>
-              <a:t>9/2/2022</a:t>
+              <a:t>9/9/2022</a:t>
             </a:fld>
             <a:endParaRPr lang="en-US" dirty="0"/>
           </a:p>
@@ -4097,7 +4104,7 @@
             <a:fld id="{B61BEF0D-F0BB-DE4B-95CE-6DB70DBA9567}" type="datetimeFigureOut">
               <a:rPr lang="en-US" dirty="0"/>
               <a:pPr/>
-              <a:t>9/2/2022</a:t>
+              <a:t>9/9/2022</a:t>
             </a:fld>
             <a:endParaRPr lang="en-US" dirty="0"/>
           </a:p>
@@ -4377,7 +4384,7 @@
             <a:fld id="{B61BEF0D-F0BB-DE4B-95CE-6DB70DBA9567}" type="datetimeFigureOut">
               <a:rPr lang="en-US" dirty="0"/>
               <a:pPr/>
-              <a:t>9/2/2022</a:t>
+              <a:t>9/9/2022</a:t>
             </a:fld>
             <a:endParaRPr lang="en-US" dirty="0"/>
           </a:p>
@@ -4780,7 +4787,7 @@
             <a:fld id="{B61BEF0D-F0BB-DE4B-95CE-6DB70DBA9567}" type="datetimeFigureOut">
               <a:rPr lang="en-US" dirty="0"/>
               <a:pPr/>
-              <a:t>9/2/2022</a:t>
+              <a:t>9/9/2022</a:t>
             </a:fld>
             <a:endParaRPr lang="en-US" dirty="0"/>
           </a:p>
@@ -5361,25 +5368,49 @@
           <a:lstStyle/>
           <a:p>
             <a:r>
-              <a:rPr lang="hu-HU" dirty="0"/>
+              <a:rPr lang="hu-HU" dirty="0">
+                <a:solidFill>
+                  <a:schemeClr val="tx1">
+                    <a:lumMod val="85000"/>
+                  </a:schemeClr>
+                </a:solidFill>
+              </a:rPr>
               <a:t>Daróczi Nimród</a:t>
             </a:r>
           </a:p>
           <a:p>
             <a:r>
-              <a:rPr lang="hu-HU" dirty="0"/>
+              <a:rPr lang="hu-HU" dirty="0">
+                <a:solidFill>
+                  <a:schemeClr val="tx1">
+                    <a:lumMod val="85000"/>
+                  </a:schemeClr>
+                </a:solidFill>
+              </a:rPr>
               <a:t>Mónus Bence</a:t>
             </a:r>
           </a:p>
           <a:p>
             <a:r>
-              <a:rPr lang="hu-HU" dirty="0"/>
+              <a:rPr lang="hu-HU" dirty="0">
+                <a:solidFill>
+                  <a:schemeClr val="tx1">
+                    <a:lumMod val="85000"/>
+                  </a:schemeClr>
+                </a:solidFill>
+              </a:rPr>
               <a:t>Dankó Dániel</a:t>
             </a:r>
           </a:p>
           <a:p>
             <a:r>
-              <a:rPr lang="hu-HU" dirty="0"/>
+              <a:rPr lang="hu-HU" dirty="0">
+                <a:solidFill>
+                  <a:schemeClr val="tx1">
+                    <a:lumMod val="85000"/>
+                  </a:schemeClr>
+                </a:solidFill>
+              </a:rPr>
               <a:t>2022.09.02</a:t>
             </a:r>
           </a:p>
@@ -5437,7 +5468,12 @@
             <p:ph type="title"/>
           </p:nvPr>
         </p:nvSpPr>
-        <p:spPr/>
+        <p:spPr>
+          <a:xfrm>
+            <a:off x="977826" y="4537666"/>
+            <a:ext cx="8534400" cy="1507067"/>
+          </a:xfrm>
+        </p:spPr>
         <p:txBody>
           <a:bodyPr>
             <a:noAutofit/>
@@ -5446,22 +5482,15 @@
           <a:p>
             <a:r>
               <a:rPr lang="hu-HU" sz="2000" dirty="0"/>
-              <a:t>Az első menetnek az eredményeként a legnagyobb elem</a:t>
+              <a:t>  A buborék rendezés lényege, hogy a tömb egymás mellett lévő elemein párosával haladunk végig, és a rossz sorrendben lévőket megcseréljük. Miután a tömb végére érünk, a legnagyobb elem a helyére kerül. Ezután a lépéseket megismételjük egyel rövidebb hosszúságú tömbre addig, amíg elő nem áll a rendezett tömb  </a:t>
             </a:r>
             <a:br>
               <a:rPr lang="hu-HU" sz="2000" dirty="0"/>
             </a:br>
-            <a:r>
-              <a:rPr lang="hu-HU" sz="2000" dirty="0"/>
-              <a:t>felszáll a lista végére. Így a következő menetben már elegendő az utolsó előtti elemig elvégezni a szomszédos elemek összehasonlítását és cseréjét. </a:t>
-            </a:r>
             <a:br>
               <a:rPr lang="hu-HU" sz="2000" dirty="0"/>
             </a:br>
-            <a:r>
-              <a:rPr lang="hu-HU" sz="2000" dirty="0"/>
-              <a:t>Az ezután következő menetben a lista utolsó két eleme lesz a helyén és így tovább..</a:t>
-            </a:r>
+            <a:endParaRPr lang="hu-HU" sz="2000" dirty="0"/>
           </a:p>
         </p:txBody>
       </p:sp>
@@ -5563,7 +5592,7 @@
         </p:nvSpPr>
         <p:spPr>
           <a:xfrm>
-            <a:off x="1433523" y="4818827"/>
+            <a:off x="1483857" y="4231597"/>
             <a:ext cx="8534400" cy="1507067"/>
           </a:xfrm>
         </p:spPr>
@@ -5574,33 +5603,40 @@
           <a:lstStyle/>
           <a:p>
             <a:pPr algn="ctr"/>
-            <a:r>
-              <a:rPr lang="hu-HU" b="1" dirty="0"/>
-              <a:t>összehasonlítások száma: 21</a:t>
-            </a:r>
             <a:br>
               <a:rPr lang="hu-HU" b="1" dirty="0"/>
             </a:br>
             <a:r>
-              <a:rPr lang="hu-HU" b="1" dirty="0"/>
+              <a:rPr lang="hu-HU" dirty="0"/>
+              <a:t>összehasonlítások száma: 21</a:t>
+            </a:r>
+            <a:br>
+              <a:rPr lang="hu-HU" dirty="0"/>
+            </a:br>
+            <a:r>
+              <a:rPr lang="hu-HU" dirty="0"/>
               <a:t>mozgatások száma: 13</a:t>
             </a:r>
             <a:br>
-              <a:rPr lang="hu-HU" b="1" dirty="0"/>
+              <a:rPr lang="hu-HU" dirty="0"/>
             </a:br>
             <a:r>
-              <a:rPr lang="hu-HU" b="1" dirty="0"/>
-              <a:t>Tárigény: </a:t>
-            </a:r>
+              <a:rPr lang="hu-HU" dirty="0"/>
+              <a:t>tárigény: </a:t>
+            </a:r>
+            <a:br>
+              <a:rPr lang="hu-HU" dirty="0"/>
+            </a:br>
+            <a:endParaRPr lang="hu-HU" dirty="0"/>
           </a:p>
         </p:txBody>
       </p:sp>
       <p:pic>
         <p:nvPicPr>
-          <p:cNvPr id="5" name="Tartalom helye 4">
+          <p:cNvPr id="8" name="Tartalom helye 7">
             <a:extLst>
               <a:ext uri="{FF2B5EF4-FFF2-40B4-BE49-F238E27FC236}">
-                <a16:creationId xmlns:a16="http://schemas.microsoft.com/office/drawing/2014/main" id="{6CB19D74-4D65-4424-82DD-4300F21380EC}"/>
+                <a16:creationId xmlns:a16="http://schemas.microsoft.com/office/drawing/2014/main" id="{42BC4D6A-7F5D-441B-967C-1B80BFE7B83B}"/>
               </a:ext>
             </a:extLst>
           </p:cNvPr>
@@ -5611,28 +5647,24 @@
             <p:ph idx="1"/>
           </p:nvPr>
         </p:nvPicPr>
-        <p:blipFill>
+        <p:blipFill rotWithShape="1">
           <a:blip r:embed="rId2"/>
-          <a:stretch>
-            <a:fillRect/>
-          </a:stretch>
+          <a:srcRect b="37336"/>
+          <a:stretch/>
         </p:blipFill>
         <p:spPr>
           <a:xfrm>
-            <a:off x="1070105" y="907932"/>
-            <a:ext cx="4341397" cy="3460831"/>
+            <a:off x="5482486" y="1529634"/>
+            <a:ext cx="6630325" cy="1378986"/>
           </a:xfrm>
-          <a:prstGeom prst="rect">
-            <a:avLst/>
-          </a:prstGeom>
         </p:spPr>
       </p:pic>
       <p:pic>
         <p:nvPicPr>
-          <p:cNvPr id="6" name="Kép 5">
+          <p:cNvPr id="10" name="Kép 9">
             <a:extLst>
               <a:ext uri="{FF2B5EF4-FFF2-40B4-BE49-F238E27FC236}">
-                <a16:creationId xmlns:a16="http://schemas.microsoft.com/office/drawing/2014/main" id="{2D210C8C-B429-458D-8DD8-C97761DDF8DD}"/>
+                <a16:creationId xmlns:a16="http://schemas.microsoft.com/office/drawing/2014/main" id="{580DD481-17DD-411B-8D36-CB290E0CBADD}"/>
               </a:ext>
             </a:extLst>
           </p:cNvPr>
@@ -5649,8 +5681,38 @@
         </p:blipFill>
         <p:spPr>
           <a:xfrm>
-            <a:off x="5700723" y="2170769"/>
-            <a:ext cx="6092396" cy="935155"/>
+            <a:off x="763582" y="701524"/>
+            <a:ext cx="4277322" cy="2867425"/>
+          </a:xfrm>
+          <a:prstGeom prst="rect">
+            <a:avLst/>
+          </a:prstGeom>
+        </p:spPr>
+      </p:pic>
+      <p:pic>
+        <p:nvPicPr>
+          <p:cNvPr id="12" name="Kép 11">
+            <a:extLst>
+              <a:ext uri="{FF2B5EF4-FFF2-40B4-BE49-F238E27FC236}">
+                <a16:creationId xmlns:a16="http://schemas.microsoft.com/office/drawing/2014/main" id="{0789491C-4ADB-4ADB-AE11-7D81C43A1BA9}"/>
+              </a:ext>
+            </a:extLst>
+          </p:cNvPr>
+          <p:cNvPicPr>
+            <a:picLocks noChangeAspect="1"/>
+          </p:cNvPicPr>
+          <p:nvPr/>
+        </p:nvPicPr>
+        <p:blipFill>
+          <a:blip r:embed="rId4"/>
+          <a:stretch>
+            <a:fillRect/>
+          </a:stretch>
+        </p:blipFill>
+        <p:spPr>
+          <a:xfrm>
+            <a:off x="6867962" y="5328366"/>
+            <a:ext cx="683702" cy="404006"/>
           </a:xfrm>
           <a:prstGeom prst="rect">
             <a:avLst/>
@@ -5661,6 +5723,302 @@
     <p:extLst>
       <p:ext uri="{BB962C8B-B14F-4D97-AF65-F5344CB8AC3E}">
         <p14:creationId xmlns:p14="http://schemas.microsoft.com/office/powerpoint/2010/main" val="2685420235"/>
+      </p:ext>
+    </p:extLst>
+  </p:cSld>
+  <p:clrMapOvr>
+    <a:masterClrMapping/>
+  </p:clrMapOvr>
+</p:sld>
+</file>
+
+<file path=ppt/slides/slide4.xml><?xml version="1.0" encoding="utf-8"?>
+<p:sld xmlns:a="http://schemas.openxmlformats.org/drawingml/2006/main" xmlns:r="http://schemas.openxmlformats.org/officeDocument/2006/relationships" xmlns:p="http://schemas.openxmlformats.org/presentationml/2006/main">
+  <p:cSld>
+    <p:spTree>
+      <p:nvGrpSpPr>
+        <p:cNvPr id="1" name=""/>
+        <p:cNvGrpSpPr/>
+        <p:nvPr/>
+      </p:nvGrpSpPr>
+      <p:grpSpPr>
+        <a:xfrm>
+          <a:off x="0" y="0"/>
+          <a:ext cx="0" cy="0"/>
+          <a:chOff x="0" y="0"/>
+          <a:chExt cx="0" cy="0"/>
+        </a:xfrm>
+      </p:grpSpPr>
+      <p:sp>
+        <p:nvSpPr>
+          <p:cNvPr id="2" name="Cím 1">
+            <a:extLst>
+              <a:ext uri="{FF2B5EF4-FFF2-40B4-BE49-F238E27FC236}">
+                <a16:creationId xmlns:a16="http://schemas.microsoft.com/office/drawing/2014/main" id="{6509E1CF-544C-4A16-850F-FA02588D8ACC}"/>
+              </a:ext>
+            </a:extLst>
+          </p:cNvPr>
+          <p:cNvSpPr>
+            <a:spLocks noGrp="1"/>
+          </p:cNvSpPr>
+          <p:nvPr>
+            <p:ph type="title"/>
+          </p:nvPr>
+        </p:nvSpPr>
+        <p:spPr>
+          <a:xfrm>
+            <a:off x="1828800" y="3254150"/>
+            <a:ext cx="8534400" cy="1507067"/>
+          </a:xfrm>
+        </p:spPr>
+        <p:txBody>
+          <a:bodyPr>
+            <a:normAutofit fontScale="90000"/>
+          </a:bodyPr>
+          <a:lstStyle/>
+          <a:p>
+            <a:r>
+              <a:rPr lang="hu-HU" sz="3100" dirty="0"/>
+              <a:t>A rendezés során, minden </a:t>
+            </a:r>
+            <a:r>
+              <a:rPr lang="hu-HU" sz="3100" dirty="0" err="1"/>
+              <a:t>végigfutásnál</a:t>
+            </a:r>
+            <a:r>
+              <a:rPr lang="hu-HU" sz="3100" dirty="0"/>
+              <a:t> megjegyezzük az utolsó csere helyét. A következő </a:t>
+            </a:r>
+            <a:r>
+              <a:rPr lang="hu-HU" sz="3100" dirty="0" err="1"/>
+              <a:t>végigfutáskor</a:t>
+            </a:r>
+            <a:r>
+              <a:rPr lang="hu-HU" sz="3100" dirty="0"/>
+              <a:t> már nem vizsgáljuk azokat az elemeket, melyek az utolsó csere helyétől jobbra helyezkednek el, hiszen ezek már rendezett sorrendben vannak.</a:t>
+            </a:r>
+            <a:br>
+              <a:rPr lang="hu-HU" dirty="0"/>
+            </a:br>
+            <a:endParaRPr lang="hu-HU" dirty="0"/>
+          </a:p>
+        </p:txBody>
+      </p:sp>
+      <p:sp>
+        <p:nvSpPr>
+          <p:cNvPr id="6" name="Szövegdoboz 5">
+            <a:extLst>
+              <a:ext uri="{FF2B5EF4-FFF2-40B4-BE49-F238E27FC236}">
+                <a16:creationId xmlns:a16="http://schemas.microsoft.com/office/drawing/2014/main" id="{FF7A7EA6-434B-48E4-81FA-2FA316887A48}"/>
+              </a:ext>
+            </a:extLst>
+          </p:cNvPr>
+          <p:cNvSpPr txBox="1"/>
+          <p:nvPr/>
+        </p:nvSpPr>
+        <p:spPr>
+          <a:xfrm>
+            <a:off x="875251" y="687895"/>
+            <a:ext cx="12194797" cy="830997"/>
+          </a:xfrm>
+          <a:prstGeom prst="rect">
+            <a:avLst/>
+          </a:prstGeom>
+          <a:noFill/>
+        </p:spPr>
+        <p:txBody>
+          <a:bodyPr wrap="square" rtlCol="0">
+            <a:spAutoFit/>
+          </a:bodyPr>
+          <a:lstStyle/>
+          <a:p>
+            <a:r>
+              <a:rPr lang="hu-HU" sz="4800" dirty="0"/>
+              <a:t>Továbbfejlesztett Buborékrendezés</a:t>
+            </a:r>
+          </a:p>
+        </p:txBody>
+      </p:sp>
+    </p:spTree>
+    <p:extLst>
+      <p:ext uri="{BB962C8B-B14F-4D97-AF65-F5344CB8AC3E}">
+        <p14:creationId xmlns:p14="http://schemas.microsoft.com/office/powerpoint/2010/main" val="1380693753"/>
+      </p:ext>
+    </p:extLst>
+  </p:cSld>
+  <p:clrMapOvr>
+    <a:masterClrMapping/>
+  </p:clrMapOvr>
+</p:sld>
+</file>
+
+<file path=ppt/slides/slide5.xml><?xml version="1.0" encoding="utf-8"?>
+<p:sld xmlns:a="http://schemas.openxmlformats.org/drawingml/2006/main" xmlns:r="http://schemas.openxmlformats.org/officeDocument/2006/relationships" xmlns:p="http://schemas.openxmlformats.org/presentationml/2006/main">
+  <p:cSld>
+    <p:spTree>
+      <p:nvGrpSpPr>
+        <p:cNvPr id="1" name=""/>
+        <p:cNvGrpSpPr/>
+        <p:nvPr/>
+      </p:nvGrpSpPr>
+      <p:grpSpPr>
+        <a:xfrm>
+          <a:off x="0" y="0"/>
+          <a:ext cx="0" cy="0"/>
+          <a:chOff x="0" y="0"/>
+          <a:chExt cx="0" cy="0"/>
+        </a:xfrm>
+      </p:grpSpPr>
+      <p:sp>
+        <p:nvSpPr>
+          <p:cNvPr id="2" name="Cím 1">
+            <a:extLst>
+              <a:ext uri="{FF2B5EF4-FFF2-40B4-BE49-F238E27FC236}">
+                <a16:creationId xmlns:a16="http://schemas.microsoft.com/office/drawing/2014/main" id="{FE5F6A43-7F64-4407-A87F-8E2DEE70333C}"/>
+              </a:ext>
+            </a:extLst>
+          </p:cNvPr>
+          <p:cNvSpPr>
+            <a:spLocks noGrp="1"/>
+          </p:cNvSpPr>
+          <p:nvPr>
+            <p:ph type="title"/>
+          </p:nvPr>
+        </p:nvSpPr>
+        <p:spPr>
+          <a:xfrm>
+            <a:off x="1362766" y="4828373"/>
+            <a:ext cx="9214797" cy="1507067"/>
+          </a:xfrm>
+        </p:spPr>
+        <p:txBody>
+          <a:bodyPr>
+            <a:normAutofit fontScale="90000"/>
+          </a:bodyPr>
+          <a:lstStyle/>
+          <a:p>
+            <a:pPr algn="ctr"/>
+            <a:br>
+              <a:rPr lang="hu-HU" b="1" dirty="0"/>
+            </a:br>
+            <a:r>
+              <a:rPr lang="hu-HU" dirty="0"/>
+              <a:t>összehasonlítások száma: 14</a:t>
+            </a:r>
+            <a:br>
+              <a:rPr lang="hu-HU" dirty="0"/>
+            </a:br>
+            <a:r>
+              <a:rPr lang="hu-HU" dirty="0"/>
+              <a:t>mozgatások száma: 8</a:t>
+            </a:r>
+            <a:br>
+              <a:rPr lang="hu-HU" dirty="0"/>
+            </a:br>
+            <a:r>
+              <a:rPr lang="hu-HU" dirty="0"/>
+              <a:t>tárigény: </a:t>
+            </a:r>
+            <a:br>
+              <a:rPr lang="hu-HU" dirty="0"/>
+            </a:br>
+            <a:endParaRPr lang="hu-HU" b="1" dirty="0"/>
+          </a:p>
+        </p:txBody>
+      </p:sp>
+      <p:pic>
+        <p:nvPicPr>
+          <p:cNvPr id="5" name="Tartalom helye 4">
+            <a:extLst>
+              <a:ext uri="{FF2B5EF4-FFF2-40B4-BE49-F238E27FC236}">
+                <a16:creationId xmlns:a16="http://schemas.microsoft.com/office/drawing/2014/main" id="{F0EC7E9C-FC8A-4C2D-B241-FA38DF2EF774}"/>
+              </a:ext>
+            </a:extLst>
+          </p:cNvPr>
+          <p:cNvPicPr>
+            <a:picLocks noGrp="1" noChangeAspect="1"/>
+          </p:cNvPicPr>
+          <p:nvPr>
+            <p:ph idx="1"/>
+          </p:nvPr>
+        </p:nvPicPr>
+        <p:blipFill>
+          <a:blip r:embed="rId2"/>
+          <a:stretch>
+            <a:fillRect/>
+          </a:stretch>
+        </p:blipFill>
+        <p:spPr>
+          <a:xfrm>
+            <a:off x="4951412" y="1374670"/>
+            <a:ext cx="6525536" cy="2210108"/>
+          </a:xfrm>
+        </p:spPr>
+      </p:pic>
+      <p:pic>
+        <p:nvPicPr>
+          <p:cNvPr id="7" name="Kép 6">
+            <a:extLst>
+              <a:ext uri="{FF2B5EF4-FFF2-40B4-BE49-F238E27FC236}">
+                <a16:creationId xmlns:a16="http://schemas.microsoft.com/office/drawing/2014/main" id="{6A4A5427-B34A-49DF-8BEB-FB5DFF7554B9}"/>
+              </a:ext>
+            </a:extLst>
+          </p:cNvPr>
+          <p:cNvPicPr>
+            <a:picLocks noChangeAspect="1"/>
+          </p:cNvPicPr>
+          <p:nvPr/>
+        </p:nvPicPr>
+        <p:blipFill>
+          <a:blip r:embed="rId3"/>
+          <a:stretch>
+            <a:fillRect/>
+          </a:stretch>
+        </p:blipFill>
+        <p:spPr>
+          <a:xfrm>
+            <a:off x="715052" y="522560"/>
+            <a:ext cx="3867690" cy="3696216"/>
+          </a:xfrm>
+          <a:prstGeom prst="rect">
+            <a:avLst/>
+          </a:prstGeom>
+        </p:spPr>
+      </p:pic>
+      <p:pic>
+        <p:nvPicPr>
+          <p:cNvPr id="9" name="Kép 8">
+            <a:extLst>
+              <a:ext uri="{FF2B5EF4-FFF2-40B4-BE49-F238E27FC236}">
+                <a16:creationId xmlns:a16="http://schemas.microsoft.com/office/drawing/2014/main" id="{3778F306-3A39-47C2-9FE7-C31C8E703CE1}"/>
+              </a:ext>
+            </a:extLst>
+          </p:cNvPr>
+          <p:cNvPicPr>
+            <a:picLocks noChangeAspect="1"/>
+          </p:cNvPicPr>
+          <p:nvPr/>
+        </p:nvPicPr>
+        <p:blipFill>
+          <a:blip r:embed="rId4"/>
+          <a:stretch>
+            <a:fillRect/>
+          </a:stretch>
+        </p:blipFill>
+        <p:spPr>
+          <a:xfrm>
+            <a:off x="7086074" y="5897372"/>
+            <a:ext cx="624805" cy="369203"/>
+          </a:xfrm>
+          <a:prstGeom prst="rect">
+            <a:avLst/>
+          </a:prstGeom>
+        </p:spPr>
+      </p:pic>
+    </p:spTree>
+    <p:extLst>
+      <p:ext uri="{BB962C8B-B14F-4D97-AF65-F5344CB8AC3E}">
+        <p14:creationId xmlns:p14="http://schemas.microsoft.com/office/powerpoint/2010/main" val="1217444550"/>
       </p:ext>
     </p:extLst>
   </p:cSld>
